--- a/Презентация к 28.03.pptx
+++ b/Презентация к 28.03.pptx
@@ -3902,9 +3902,39 @@
           <a:chExt cx="0" cy="0"/>
         </a:xfrm>
       </p:grpSpPr>
+      <p:sp>
+        <p:nvSpPr>
+          <p:cNvPr id="4" name="TextBox 3"/>
+          <p:cNvSpPr txBox="1"/>
+          <p:nvPr/>
+        </p:nvSpPr>
+        <p:spPr>
+          <a:xfrm>
+            <a:off x="3753332" y="416560"/>
+            <a:ext cx="4555478" cy="369332"/>
+          </a:xfrm>
+          <a:prstGeom prst="rect">
+            <a:avLst/>
+          </a:prstGeom>
+          <a:noFill/>
+        </p:spPr>
+        <p:txBody>
+          <a:bodyPr wrap="none" rtlCol="0">
+            <a:spAutoFit/>
+          </a:bodyPr>
+          <a:lstStyle/>
+          <a:p>
+            <a:r>
+              <a:rPr lang="ru-RU" dirty="0" smtClean="0"/>
+              <a:t>Проект алгоритма управления ТС по модели</a:t>
+            </a:r>
+            <a:endParaRPr lang="ru-RU" dirty="0"/>
+          </a:p>
+        </p:txBody>
+      </p:sp>
       <p:pic>
         <p:nvPicPr>
-          <p:cNvPr id="3" name="Рисунок 2"/>
+          <p:cNvPr id="2" name="Рисунок 1"/>
           <p:cNvPicPr>
             <a:picLocks noChangeAspect="1"/>
           </p:cNvPicPr>
@@ -3918,44 +3948,14 @@
         </p:blipFill>
         <p:spPr>
           <a:xfrm>
-            <a:off x="2092960" y="1147168"/>
-            <a:ext cx="7876222" cy="5710832"/>
+            <a:off x="1521316" y="714018"/>
+            <a:ext cx="9019510" cy="6143982"/>
           </a:xfrm>
           <a:prstGeom prst="rect">
             <a:avLst/>
           </a:prstGeom>
         </p:spPr>
       </p:pic>
-      <p:sp>
-        <p:nvSpPr>
-          <p:cNvPr id="4" name="TextBox 3"/>
-          <p:cNvSpPr txBox="1"/>
-          <p:nvPr/>
-        </p:nvSpPr>
-        <p:spPr>
-          <a:xfrm>
-            <a:off x="3753332" y="416560"/>
-            <a:ext cx="4555478" cy="369332"/>
-          </a:xfrm>
-          <a:prstGeom prst="rect">
-            <a:avLst/>
-          </a:prstGeom>
-          <a:noFill/>
-        </p:spPr>
-        <p:txBody>
-          <a:bodyPr wrap="none" rtlCol="0">
-            <a:spAutoFit/>
-          </a:bodyPr>
-          <a:lstStyle/>
-          <a:p>
-            <a:r>
-              <a:rPr lang="ru-RU" dirty="0" smtClean="0"/>
-              <a:t>Проект алгоритма управления ТС по модели</a:t>
-            </a:r>
-            <a:endParaRPr lang="ru-RU" dirty="0"/>
-          </a:p>
-        </p:txBody>
-      </p:sp>
     </p:spTree>
     <p:extLst>
       <p:ext uri="{BB962C8B-B14F-4D97-AF65-F5344CB8AC3E}">
@@ -4042,8 +4042,8 @@
         </p:nvSpPr>
         <p:spPr>
           <a:xfrm>
-            <a:off x="6045200" y="1482328"/>
-            <a:ext cx="5461495" cy="369332"/>
+            <a:off x="5886649" y="903148"/>
+            <a:ext cx="5538439" cy="369332"/>
           </a:xfrm>
           <a:prstGeom prst="rect">
             <a:avLst/>
@@ -4058,7 +4058,7 @@
           <a:p>
             <a:r>
               <a:rPr lang="ru-RU" dirty="0" smtClean="0"/>
-              <a:t>Характеристика впрыскивания при давлении 100мПа</a:t>
+              <a:t>Характеристика впрыскивания при давлении 100МПа.</a:t>
             </a:r>
             <a:endParaRPr lang="ru-RU" dirty="0"/>
           </a:p>
@@ -4072,8 +4072,8 @@
         </p:nvSpPr>
         <p:spPr>
           <a:xfrm>
-            <a:off x="6045200" y="4890254"/>
-            <a:ext cx="5461495" cy="369332"/>
+            <a:off x="5925125" y="3569970"/>
+            <a:ext cx="5538439" cy="369332"/>
           </a:xfrm>
           <a:prstGeom prst="rect">
             <a:avLst/>
@@ -4088,7 +4088,126 @@
           <a:p>
             <a:r>
               <a:rPr lang="ru-RU" dirty="0" smtClean="0"/>
-              <a:t>Характеристика впрыскивания при давлении 150мПа</a:t>
+              <a:t>Характеристика впрыскивания при давлении 150МПа.</a:t>
+            </a:r>
+            <a:endParaRPr lang="ru-RU" dirty="0"/>
+          </a:p>
+        </p:txBody>
+      </p:sp>
+      <p:sp>
+        <p:nvSpPr>
+          <p:cNvPr id="7" name="TextBox 6"/>
+          <p:cNvSpPr txBox="1"/>
+          <p:nvPr/>
+        </p:nvSpPr>
+        <p:spPr>
+          <a:xfrm>
+            <a:off x="5886649" y="5313462"/>
+            <a:ext cx="6350002" cy="923330"/>
+          </a:xfrm>
+          <a:prstGeom prst="rect">
+            <a:avLst/>
+          </a:prstGeom>
+          <a:noFill/>
+        </p:spPr>
+        <p:txBody>
+          <a:bodyPr wrap="square" rtlCol="0">
+            <a:spAutoFit/>
+          </a:bodyPr>
+          <a:lstStyle/>
+          <a:p>
+            <a:r>
+              <a:rPr lang="ru-RU" dirty="0" smtClean="0"/>
+              <a:t>Предположительно, используя комбинированный регулятор удастся обеспечить желаемую форму характеристики впрыскивания на всех режимах (см. 100МПа).</a:t>
+            </a:r>
+            <a:endParaRPr lang="ru-RU" dirty="0"/>
+          </a:p>
+        </p:txBody>
+      </p:sp>
+      <p:sp>
+        <p:nvSpPr>
+          <p:cNvPr id="6" name="TextBox 5"/>
+          <p:cNvSpPr txBox="1"/>
+          <p:nvPr/>
+        </p:nvSpPr>
+        <p:spPr>
+          <a:xfrm>
+            <a:off x="5925123" y="1389995"/>
+            <a:ext cx="5461495" cy="923330"/>
+          </a:xfrm>
+          <a:prstGeom prst="rect">
+            <a:avLst/>
+          </a:prstGeom>
+          <a:noFill/>
+        </p:spPr>
+        <p:txBody>
+          <a:bodyPr wrap="square" rtlCol="0">
+            <a:spAutoFit/>
+          </a:bodyPr>
+          <a:lstStyle/>
+          <a:p>
+            <a:pPr marL="285750" indent="-285750">
+              <a:buFont typeface="Arial" panose="020B0604020202020204" pitchFamily="34" charset="0"/>
+              <a:buChar char="•"/>
+            </a:pPr>
+            <a:r>
+              <a:rPr lang="ru-RU" dirty="0"/>
+              <a:t>Давление хорошо поддерживается </a:t>
+            </a:r>
+            <a:r>
+              <a:rPr lang="ru-RU" dirty="0" smtClean="0"/>
+              <a:t>с помощью </a:t>
+            </a:r>
+            <a:r>
+              <a:rPr lang="ru-RU" dirty="0"/>
+              <a:t>ПИД </a:t>
+            </a:r>
+            <a:r>
+              <a:rPr lang="ru-RU" dirty="0" smtClean="0"/>
+              <a:t>регулятора.</a:t>
+            </a:r>
+            <a:endParaRPr lang="ru-RU" dirty="0"/>
+          </a:p>
+          <a:p>
+            <a:endParaRPr lang="ru-RU" dirty="0"/>
+          </a:p>
+        </p:txBody>
+      </p:sp>
+      <p:sp>
+        <p:nvSpPr>
+          <p:cNvPr id="8" name="TextBox 7"/>
+          <p:cNvSpPr txBox="1"/>
+          <p:nvPr/>
+        </p:nvSpPr>
+        <p:spPr>
+          <a:xfrm>
+            <a:off x="5925123" y="4272617"/>
+            <a:ext cx="5682581" cy="646331"/>
+          </a:xfrm>
+          <a:prstGeom prst="rect">
+            <a:avLst/>
+          </a:prstGeom>
+          <a:noFill/>
+        </p:spPr>
+        <p:txBody>
+          <a:bodyPr wrap="none" rtlCol="0">
+            <a:spAutoFit/>
+          </a:bodyPr>
+          <a:lstStyle/>
+          <a:p>
+            <a:pPr marL="285750" indent="-285750">
+              <a:buFont typeface="Arial" panose="020B0604020202020204" pitchFamily="34" charset="0"/>
+              <a:buChar char="•"/>
+            </a:pPr>
+            <a:r>
+              <a:rPr lang="ru-RU" dirty="0" smtClean="0"/>
+              <a:t>Качество регулирования ухудшается, что приводит к </a:t>
+            </a:r>
+          </a:p>
+          <a:p>
+            <a:r>
+              <a:rPr lang="ru-RU" dirty="0" smtClean="0"/>
+              <a:t>      нарушению формы характеристики впрыскивания.</a:t>
             </a:r>
             <a:endParaRPr lang="ru-RU" dirty="0"/>
           </a:p>
@@ -4142,7 +4261,7 @@
           <a:graphicData uri="http://schemas.openxmlformats.org/presentationml/2006/ole">
             <mc:AlternateContent xmlns:mc="http://schemas.openxmlformats.org/markup-compatibility/2006">
               <mc:Choice xmlns:v="urn:schemas-microsoft-com:vml" Requires="v">
-                <p:oleObj spid="_x0000_s1029" name="Equation" r:id="rId3" imgW="2806560" imgH="825480" progId="Equation.DSMT4">
+                <p:oleObj spid="_x0000_s1034" name="Equation" r:id="rId3" imgW="2806560" imgH="825480" progId="Equation.DSMT4">
                   <p:embed/>
                 </p:oleObj>
               </mc:Choice>
@@ -5954,8 +6073,8 @@
           </a:p>
         </p:txBody>
       </p:sp>
-      <mc:AlternateContent xmlns:mc="http://schemas.openxmlformats.org/markup-compatibility/2006">
-        <mc:Choice xmlns:a14="http://schemas.microsoft.com/office/drawing/2010/main" Requires="a14">
+      <mc:AlternateContent xmlns:mc="http://schemas.openxmlformats.org/markup-compatibility/2006" xmlns:a14="http://schemas.microsoft.com/office/drawing/2010/main">
+        <mc:Choice Requires="a14">
           <p:sp>
             <p:nvSpPr>
               <p:cNvPr id="4" name="Прямоугольник 3"/>
@@ -6126,7 +6245,7 @@
             </p:txBody>
           </p:sp>
         </mc:Choice>
-        <mc:Fallback>
+        <mc:Fallback xmlns="">
           <p:sp>
             <p:nvSpPr>
               <p:cNvPr id="4" name="Прямоугольник 3"/>
@@ -6231,8 +6350,8 @@
           </a:ln>
         </p:spPr>
       </p:pic>
-      <mc:AlternateContent xmlns:mc="http://schemas.openxmlformats.org/markup-compatibility/2006">
-        <mc:Choice xmlns:a14="http://schemas.microsoft.com/office/drawing/2010/main" Requires="a14">
+      <mc:AlternateContent xmlns:mc="http://schemas.openxmlformats.org/markup-compatibility/2006" xmlns:a14="http://schemas.microsoft.com/office/drawing/2010/main">
+        <mc:Choice Requires="a14">
           <p:sp>
             <p:nvSpPr>
               <p:cNvPr id="7" name="Прямоугольник 6"/>
@@ -6427,7 +6546,7 @@
             </p:txBody>
           </p:sp>
         </mc:Choice>
-        <mc:Fallback>
+        <mc:Fallback xmlns="">
           <p:sp>
             <p:nvSpPr>
               <p:cNvPr id="7" name="Прямоугольник 6"/>
@@ -7044,8 +7163,8 @@
         </p:nvSpPr>
         <p:spPr>
           <a:xfrm>
-            <a:off x="4688354" y="782320"/>
-            <a:ext cx="2713692" cy="369332"/>
+            <a:off x="1886464" y="782320"/>
+            <a:ext cx="8472319" cy="369332"/>
           </a:xfrm>
           <a:prstGeom prst="rect">
             <a:avLst/>
@@ -7060,7 +7179,11 @@
           <a:p>
             <a:r>
               <a:rPr lang="ru-RU" dirty="0" smtClean="0"/>
-              <a:t>Модель топливной рейки</a:t>
+              <a:t>Моделирование гидравлического аккумулятора управление </a:t>
+            </a:r>
+            <a:r>
+              <a:rPr lang="ru-RU" smtClean="0"/>
+              <a:t>инерциальным звеном</a:t>
             </a:r>
             <a:endParaRPr lang="ru-RU" dirty="0"/>
           </a:p>
@@ -7374,8 +7497,8 @@
         </p:nvSpPr>
         <p:spPr>
           <a:xfrm>
-            <a:off x="4158724" y="447040"/>
-            <a:ext cx="3864391" cy="369332"/>
+            <a:off x="4000250" y="447040"/>
+            <a:ext cx="4181337" cy="369332"/>
           </a:xfrm>
           <a:prstGeom prst="rect">
             <a:avLst/>
@@ -7390,7 +7513,7 @@
           <a:p>
             <a:r>
               <a:rPr lang="ru-RU" dirty="0" smtClean="0"/>
-              <a:t>Процесс калибровки ПИД-Регулятора</a:t>
+              <a:t>Подбор коэффициентов ПИД-Регулятора</a:t>
             </a:r>
             <a:endParaRPr lang="ru-RU" dirty="0"/>
           </a:p>
@@ -7405,7 +7528,7 @@
         <p:spPr>
           <a:xfrm>
             <a:off x="1696719" y="5604748"/>
-            <a:ext cx="9232399" cy="923330"/>
+            <a:ext cx="9293634" cy="923330"/>
           </a:xfrm>
           <a:prstGeom prst="rect">
             <a:avLst/>
@@ -7420,7 +7543,23 @@
           <a:p>
             <a:r>
               <a:rPr lang="ru-RU" dirty="0"/>
-              <a:t>По результатам калибровки, для уставки 1500 были подобраны следующие коэффициенты:</a:t>
+              <a:t>По результатам калибровки, для </a:t>
+            </a:r>
+            <a:r>
+              <a:rPr lang="en-US" dirty="0" smtClean="0"/>
+              <a:t>p</a:t>
+            </a:r>
+            <a:r>
+              <a:rPr lang="ru-RU" sz="1200" dirty="0" smtClean="0"/>
+              <a:t>уст</a:t>
+            </a:r>
+            <a:r>
+              <a:rPr lang="ru-RU" dirty="0" smtClean="0"/>
+              <a:t>=1500 МПа </a:t>
+            </a:r>
+            <a:r>
+              <a:rPr lang="ru-RU" dirty="0"/>
+              <a:t>были подобраны следующие коэффициенты:</a:t>
             </a:r>
           </a:p>
           <a:p>
